--- a/Documentation/PresentacionOdoo.pptx
+++ b/Documentation/PresentacionOdoo.pptx
@@ -183,7 +183,7 @@
                 <a:uFillTx/>
                 <a:latin typeface="Times New Roman"/>
               </a:rPr>
-              <a:t>&lt;cabecera&gt;</a:t>
+              <a:t> </a:t>
             </a:r>
             <a:endParaRPr b="0" lang="es-ES" sz="1400" strike="noStrike" u="none">
               <a:solidFill>
@@ -246,7 +246,7 @@
                 <a:uFillTx/>
                 <a:latin typeface="Times New Roman"/>
               </a:rPr>
-              <a:t>&lt;fecha/hora&gt;</a:t>
+              <a:t> </a:t>
             </a:r>
             <a:endParaRPr b="0" lang="es-ES" sz="1400" strike="noStrike" u="none">
               <a:solidFill>
@@ -309,7 +309,7 @@
                 <a:uFillTx/>
                 <a:latin typeface="Times New Roman"/>
               </a:rPr>
-              <a:t>&lt;pie de página&gt;</a:t>
+              <a:t> </a:t>
             </a:r>
             <a:endParaRPr b="0" lang="es-ES" sz="1400" strike="noStrike" u="none">
               <a:solidFill>
@@ -364,7 +364,7 @@
             <a:pPr indent="0" algn="r">
               <a:buNone/>
             </a:pPr>
-            <a:fld id="{B95EF476-FF21-4BF8-B154-BB91D0CBCF27}" type="slidenum">
+            <a:fld id="{614BFEFF-FE09-4EAD-903C-FD11E7233EBE}" type="slidenum">
               <a:rPr b="0" lang="es-ES" sz="1400" strike="noStrike" u="none">
                 <a:solidFill>
                   <a:srgbClr val="000000"/>
@@ -372,7 +372,7 @@
                 <a:uFillTx/>
                 <a:latin typeface="Times New Roman"/>
               </a:rPr>
-              <a:t>&lt;número&gt;</a:t>
+              <a:t>1</a:t>
             </a:fld>
             <a:endParaRPr b="0" lang="es-ES" sz="1400" strike="noStrike" u="none">
               <a:solidFill>
@@ -527,7 +527,7 @@
                 <a:tab algn="l" pos="0"/>
               </a:tabLst>
             </a:pPr>
-            <a:fld id="{C6AAEAFF-5F7E-47AD-A453-F5F62A72BC3C}" type="slidenum">
+            <a:fld id="{116DCD9D-001C-463C-A92F-C8AF5D07C7E8}" type="slidenum">
               <a:rPr b="0" lang="es-ES" sz="1200" strike="noStrike" u="none">
                 <a:solidFill>
                   <a:srgbClr val="000000"/>
@@ -690,7 +690,7 @@
                 <a:tab algn="l" pos="0"/>
               </a:tabLst>
             </a:pPr>
-            <a:fld id="{57BCB52E-7DD9-4B9B-AEDA-19FC754B2D50}" type="slidenum">
+            <a:fld id="{DAEA1982-6F8A-4CD5-A06F-3F09CA07F3A7}" type="slidenum">
               <a:rPr b="0" lang="es-ES" sz="1200" strike="noStrike" u="none">
                 <a:solidFill>
                   <a:srgbClr val="000000"/>
@@ -849,7 +849,7 @@
         <p:txBody>
           <a:bodyPr/>
           <a:p>
-            <a:fld id="{611B5051-17A5-4AAA-8B40-E955B6AB6CA6}" type="slidenum">
+            <a:fld id="{11B30E99-154F-4B1E-97B0-EE40277DB3B5}" type="slidenum">
               <a:t>&lt;#&gt;</a:t>
             </a:fld>
           </a:p>
@@ -1020,7 +1020,7 @@
         <p:txBody>
           <a:bodyPr/>
           <a:p>
-            <a:fld id="{DE11940E-6445-4D7E-828D-35070CC7FD38}" type="slidenum">
+            <a:fld id="{E40B5352-B2FF-4DDD-BEAE-CC1718B14EF2}" type="slidenum">
               <a:t>&lt;#&gt;</a:t>
             </a:fld>
           </a:p>
@@ -1238,7 +1238,7 @@
         <p:txBody>
           <a:bodyPr/>
           <a:p>
-            <a:fld id="{968B6F8E-0ED4-4EFB-BD57-473F1F22050A}" type="slidenum">
+            <a:fld id="{82BCF6B8-CFA4-4987-AFCB-AFF70B637033}" type="slidenum">
               <a:t>&lt;#&gt;</a:t>
             </a:fld>
           </a:p>
@@ -1456,7 +1456,7 @@
         <p:txBody>
           <a:bodyPr/>
           <a:p>
-            <a:fld id="{F5F70CD9-5A23-4041-BD7E-CA50148CE354}" type="slidenum">
+            <a:fld id="{1396FD20-748B-47CE-845D-A527BE1811CB}" type="slidenum">
               <a:t>&lt;#&gt;</a:t>
             </a:fld>
           </a:p>
@@ -1674,7 +1674,7 @@
         <p:txBody>
           <a:bodyPr/>
           <a:p>
-            <a:fld id="{863F837F-E271-49A0-BE3F-20E5FEB4269C}" type="slidenum">
+            <a:fld id="{265D869D-F67F-4E79-A134-7AD29FE5811A}" type="slidenum">
               <a:t>&lt;#&gt;</a:t>
             </a:fld>
           </a:p>
@@ -1892,7 +1892,7 @@
         <p:txBody>
           <a:bodyPr/>
           <a:p>
-            <a:fld id="{A32BD50C-DE1E-4072-A0A5-739323EF10A9}" type="slidenum">
+            <a:fld id="{D9673D65-CA38-46CE-9085-EEE2FB3C18B9}" type="slidenum">
               <a:t>&lt;#&gt;</a:t>
             </a:fld>
           </a:p>
@@ -2063,7 +2063,7 @@
         <p:txBody>
           <a:bodyPr/>
           <a:p>
-            <a:fld id="{73BECEAC-4FD5-4AFF-8492-63B7FB9E1E50}" type="slidenum">
+            <a:fld id="{305A99CF-08AE-4D56-ABB6-CB615708267B}" type="slidenum">
               <a:t>&lt;#&gt;</a:t>
             </a:fld>
           </a:p>
@@ -2281,7 +2281,7 @@
         <p:txBody>
           <a:bodyPr/>
           <a:p>
-            <a:fld id="{472803FE-324C-4232-81DF-37CD04319F61}" type="slidenum">
+            <a:fld id="{1518611D-6627-4993-804E-F0533ADBEEDB}" type="slidenum">
               <a:t>&lt;#&gt;</a:t>
             </a:fld>
           </a:p>
@@ -2499,7 +2499,7 @@
         <p:txBody>
           <a:bodyPr/>
           <a:p>
-            <a:fld id="{C821F419-A904-4DD9-A9B9-70DC712554C1}" type="slidenum">
+            <a:fld id="{ED275355-790E-4529-9684-424D02B2F78B}" type="slidenum">
               <a:t>&lt;#&gt;</a:t>
             </a:fld>
           </a:p>
@@ -2664,7 +2664,7 @@
         <p:txBody>
           <a:bodyPr/>
           <a:p>
-            <a:fld id="{33558899-0AB3-4AFC-9AAD-FCEBBAE2ACBC}" type="slidenum">
+            <a:fld id="{19499CC3-2968-4A19-981A-69FCD5AE2247}" type="slidenum">
               <a:t>&lt;#&gt;</a:t>
             </a:fld>
           </a:p>
@@ -2936,7 +2936,7 @@
                 <a:latin typeface="Times New Roman"/>
                 <a:ea typeface="DejaVu Sans"/>
               </a:rPr>
-              <a:t> </a:t>
+              <a:t>&lt;pie de página&gt;</a:t>
             </a:r>
             <a:endParaRPr b="0" lang="es-ES" sz="1400" strike="noStrike" u="none">
               <a:solidFill>
@@ -3007,7 +3007,7 @@
                 <a:tab algn="l" pos="0"/>
               </a:tabLst>
             </a:pPr>
-            <a:fld id="{03A52293-F06A-4525-AC02-F47E15CB27EE}" type="slidenum">
+            <a:fld id="{741CA6C9-D835-4969-97C7-3507ADC49C43}" type="slidenum">
               <a:rPr b="0" lang="es-ES" sz="3600" strike="noStrike" u="none">
                 <a:solidFill>
                   <a:schemeClr val="lt1">
@@ -3019,7 +3019,7 @@
                 <a:latin typeface="Century Schoolbook"/>
                 <a:ea typeface="DejaVu Sans"/>
               </a:rPr>
-              <a:t>7</a:t>
+              <a:t>&lt;número&gt;</a:t>
             </a:fld>
             <a:endParaRPr b="0" lang="es-ES" sz="3600" strike="noStrike" u="none">
               <a:solidFill>
@@ -3082,7 +3082,7 @@
                 <a:uFillTx/>
                 <a:latin typeface="Times New Roman"/>
               </a:rPr>
-              <a:t> </a:t>
+              <a:t>&lt;fecha/hora&gt;</a:t>
             </a:r>
             <a:endParaRPr b="0" lang="es-ES" sz="1400" strike="noStrike" u="none">
               <a:solidFill>
@@ -4194,7 +4194,7 @@
                 <a:tab algn="l" pos="0"/>
               </a:tabLst>
             </a:pPr>
-            <a:fld id="{8CD51684-9BA8-4662-9FA8-EBF533E1526D}" type="slidenum">
+            <a:fld id="{E7895E01-FAB9-4B9E-99CC-105A82FF608B}" type="slidenum">
               <a:rPr b="0" lang="es-ES" sz="3600" strike="noStrike" u="none">
                 <a:solidFill>
                   <a:schemeClr val="lt1">
@@ -5071,7 +5071,7 @@
                 <a:tab algn="l" pos="0"/>
               </a:tabLst>
             </a:pPr>
-            <a:fld id="{5950EC12-18CA-441B-9D37-ADD03C854E5B}" type="slidenum">
+            <a:fld id="{E45D7F9B-77B1-428D-B14A-F2FC79854602}" type="slidenum">
               <a:rPr b="0" lang="es-ES" sz="3600" strike="noStrike" u="none">
                 <a:solidFill>
                   <a:schemeClr val="dk2">
@@ -5948,7 +5948,7 @@
                 <a:tab algn="l" pos="0"/>
               </a:tabLst>
             </a:pPr>
-            <a:fld id="{7AA1F796-6BDC-4D78-90A4-EF7657C449B4}" type="slidenum">
+            <a:fld id="{F4921835-7E66-4786-9C45-8B6F80550BB3}" type="slidenum">
               <a:rPr b="0" lang="es-ES" sz="3600" strike="noStrike" u="none">
                 <a:solidFill>
                   <a:schemeClr val="dk2">
@@ -6825,7 +6825,7 @@
                 <a:tab algn="l" pos="0"/>
               </a:tabLst>
             </a:pPr>
-            <a:fld id="{E55F15A8-E6B3-4107-8019-781EB04068D9}" type="slidenum">
+            <a:fld id="{FBC7814B-B334-4E94-8D5D-27A920598A53}" type="slidenum">
               <a:rPr b="0" lang="es-ES" sz="3600" strike="noStrike" u="none">
                 <a:solidFill>
                   <a:schemeClr val="dk2">
@@ -7442,7 +7442,7 @@
                 <a:tab algn="l" pos="0"/>
               </a:tabLst>
             </a:pPr>
-            <a:fld id="{3FC38ED9-6F04-4465-A804-7EE8FB10C785}" type="slidenum">
+            <a:fld id="{E71C757A-C333-4D42-8C85-A0BE91614A5D}" type="slidenum">
               <a:rPr b="0" lang="es-ES" sz="3600" strike="noStrike" u="none">
                 <a:solidFill>
                   <a:schemeClr val="dk2">
@@ -8367,7 +8367,7 @@
                 <a:tab algn="l" pos="0"/>
               </a:tabLst>
             </a:pPr>
-            <a:fld id="{3F5C60CA-50B3-4CD9-BE56-1D697C6F670D}" type="slidenum">
+            <a:fld id="{BA331F01-8628-4577-9A2B-CBA6525A36D0}" type="slidenum">
               <a:rPr b="0" lang="es-ES" sz="3600" strike="noStrike" u="none">
                 <a:solidFill>
                   <a:schemeClr val="dk2">
@@ -9244,7 +9244,7 @@
                 <a:tab algn="l" pos="0"/>
               </a:tabLst>
             </a:pPr>
-            <a:fld id="{1A21A834-4304-4EE3-B8B5-9274DF6C9C17}" type="slidenum">
+            <a:fld id="{602F57E9-D9FC-4AD0-A62B-AE1E4C6A2759}" type="slidenum">
               <a:rPr b="0" lang="es-ES" sz="3600" strike="noStrike" u="none">
                 <a:solidFill>
                   <a:schemeClr val="dk2">
